--- a/05Infer/02InferSpeedUp/01KVCache.pptx
+++ b/05Infer/02InferSpeedUp/01KVCache.pptx
@@ -239,7 +239,7 @@
           <a:p>
             <a:fld id="{E8CF71B8-DF2A-2E41-BE66-2E18A767DA8A}" type="datetimeFigureOut">
               <a:rPr lang="en-US" smtClean="0"/>
-              <a:t>7/10/2025</a:t>
+              <a:t>7/29/25</a:t>
             </a:fld>
             <a:endParaRPr lang="en-US"/>
           </a:p>
@@ -416,7 +416,7 @@
           <a:p>
             <a:fld id="{0DD60A27-BF12-6744-9E93-932A0E34D8BB}" type="datetimeFigureOut">
               <a:rPr lang="en-US" smtClean="0"/>
-              <a:t>7/10/2025</a:t>
+              <a:t>7/29/25</a:t>
             </a:fld>
             <a:endParaRPr lang="en-US"/>
           </a:p>
@@ -28315,8 +28315,8 @@
         </p:nvSpPr>
         <p:spPr>
           <a:xfrm>
-            <a:off x="5113888" y="1438921"/>
-            <a:ext cx="3411613" cy="979488"/>
+            <a:off x="3864952" y="1414660"/>
+            <a:ext cx="5368258" cy="979488"/>
           </a:xfrm>
           <a:prstGeom prst="rect">
             <a:avLst/>
@@ -28501,13 +28501,36 @@
               </a:rPr>
               <a:t>ZOMI</a:t>
             </a:r>
-            <a:endParaRPr lang="zh-CN" altLang="en-US" sz="5400" dirty="0">
-              <a:solidFill>
-                <a:schemeClr val="bg1"/>
-              </a:solidFill>
-              <a:latin typeface="ACGN-MiaoGB-Flash" panose="02020300000000000000" pitchFamily="18" charset="-122"/>
-              <a:ea typeface="ACGN-MiaoGB-Flash" panose="02020300000000000000" pitchFamily="18" charset="-122"/>
-            </a:endParaRPr>
+            <a:r>
+              <a:rPr lang="zh-CN" altLang="en-US" sz="5400" dirty="0">
+                <a:solidFill>
+                  <a:schemeClr val="bg1"/>
+                </a:solidFill>
+                <a:latin typeface="ACGN-MiaoGB-Flash" panose="02020300000000000000" pitchFamily="18" charset="-122"/>
+                <a:ea typeface="ACGN-MiaoGB-Flash" panose="02020300000000000000" pitchFamily="18" charset="-122"/>
+              </a:rPr>
+              <a:t> </a:t>
+            </a:r>
+            <a:r>
+              <a:rPr lang="en-US" altLang="zh-CN" sz="5400" dirty="0">
+                <a:solidFill>
+                  <a:schemeClr val="bg1"/>
+                </a:solidFill>
+                <a:latin typeface="ACGN-MiaoGB-Flash" panose="02020300000000000000" pitchFamily="18" charset="-122"/>
+                <a:ea typeface="ACGN-MiaoGB-Flash" panose="02020300000000000000" pitchFamily="18" charset="-122"/>
+              </a:rPr>
+              <a:t>&amp;</a:t>
+            </a:r>
+            <a:r>
+              <a:rPr lang="zh-CN" altLang="en-US" sz="5400" dirty="0">
+                <a:solidFill>
+                  <a:schemeClr val="bg1"/>
+                </a:solidFill>
+                <a:latin typeface="ACGN-MiaoGB-Flash" panose="02020300000000000000" pitchFamily="18" charset="-122"/>
+                <a:ea typeface="ACGN-MiaoGB-Flash" panose="02020300000000000000" pitchFamily="18" charset="-122"/>
+              </a:rPr>
+              <a:t>张艺蓉</a:t>
+            </a:r>
           </a:p>
         </p:txBody>
       </p:sp>
@@ -28539,7 +28562,7 @@
         </p:blipFill>
         <p:spPr>
           <a:xfrm>
-            <a:off x="4370488" y="1607952"/>
+            <a:off x="3121552" y="1583691"/>
             <a:ext cx="743400" cy="743400"/>
           </a:xfrm>
           <a:prstGeom prst="ellipse">
@@ -29079,8 +29102,8 @@
           </a:p>
         </p:txBody>
       </p:sp>
-      <mc:AlternateContent xmlns:mc="http://schemas.openxmlformats.org/markup-compatibility/2006">
-        <mc:Choice xmlns:a14="http://schemas.microsoft.com/office/drawing/2010/main" Requires="a14">
+      <mc:AlternateContent xmlns:mc="http://schemas.openxmlformats.org/markup-compatibility/2006" xmlns:a14="http://schemas.microsoft.com/office/drawing/2010/main">
+        <mc:Choice Requires="a14">
           <p:sp>
             <p:nvSpPr>
               <p:cNvPr id="4" name="内容占位符 3">
@@ -29315,7 +29338,7 @@
             </p:txBody>
           </p:sp>
         </mc:Choice>
-        <mc:Fallback>
+        <mc:Fallback xmlns="">
           <p:sp>
             <p:nvSpPr>
               <p:cNvPr id="4" name="内容占位符 3">
@@ -29395,13 +29418,13 @@
   <p:clrMapOvr>
     <a:masterClrMapping/>
   </p:clrMapOvr>
-  <mc:AlternateContent xmlns:mc="http://schemas.openxmlformats.org/markup-compatibility/2006">
-    <mc:Choice xmlns:p159="http://schemas.microsoft.com/office/powerpoint/2015/09/main" Requires="p159">
+  <mc:AlternateContent xmlns:mc="http://schemas.openxmlformats.org/markup-compatibility/2006" xmlns:p159="http://schemas.microsoft.com/office/powerpoint/2015/09/main">
+    <mc:Choice Requires="p159">
       <p:transition xmlns:p14="http://schemas.microsoft.com/office/powerpoint/2010/main" spd="slow" p14:dur="2000">
         <p159:morph option="byObject"/>
       </p:transition>
     </mc:Choice>
-    <mc:Fallback>
+    <mc:Fallback xmlns="">
       <p:transition spd="slow">
         <p:fade/>
       </p:transition>
@@ -29649,13 +29672,13 @@
   <p:clrMapOvr>
     <a:masterClrMapping/>
   </p:clrMapOvr>
-  <mc:AlternateContent xmlns:mc="http://schemas.openxmlformats.org/markup-compatibility/2006">
-    <mc:Choice xmlns:p159="http://schemas.microsoft.com/office/powerpoint/2015/09/main" Requires="p159">
+  <mc:AlternateContent xmlns:mc="http://schemas.openxmlformats.org/markup-compatibility/2006" xmlns:p159="http://schemas.microsoft.com/office/powerpoint/2015/09/main">
+    <mc:Choice Requires="p159">
       <p:transition xmlns:p14="http://schemas.microsoft.com/office/powerpoint/2010/main" spd="slow" p14:dur="2000">
         <p159:morph option="byObject"/>
       </p:transition>
     </mc:Choice>
-    <mc:Fallback>
+    <mc:Fallback xmlns="">
       <p:transition spd="slow">
         <p:fade/>
       </p:transition>
@@ -30094,13 +30117,13 @@
   <p:clrMapOvr>
     <a:masterClrMapping/>
   </p:clrMapOvr>
-  <mc:AlternateContent xmlns:mc="http://schemas.openxmlformats.org/markup-compatibility/2006">
-    <mc:Choice xmlns:p159="http://schemas.microsoft.com/office/powerpoint/2015/09/main" Requires="p159">
+  <mc:AlternateContent xmlns:mc="http://schemas.openxmlformats.org/markup-compatibility/2006" xmlns:p159="http://schemas.microsoft.com/office/powerpoint/2015/09/main">
+    <mc:Choice Requires="p159">
       <p:transition xmlns:p14="http://schemas.microsoft.com/office/powerpoint/2010/main" spd="slow" p14:dur="2000">
         <p159:morph option="byObject"/>
       </p:transition>
     </mc:Choice>
-    <mc:Fallback>
+    <mc:Fallback xmlns="">
       <p:transition spd="slow">
         <p:fade/>
       </p:transition>
@@ -30318,13 +30341,13 @@
   <p:clrMapOvr>
     <a:masterClrMapping/>
   </p:clrMapOvr>
-  <mc:AlternateContent xmlns:mc="http://schemas.openxmlformats.org/markup-compatibility/2006">
-    <mc:Choice xmlns:p159="http://schemas.microsoft.com/office/powerpoint/2015/09/main" Requires="p159">
+  <mc:AlternateContent xmlns:mc="http://schemas.openxmlformats.org/markup-compatibility/2006" xmlns:p159="http://schemas.microsoft.com/office/powerpoint/2015/09/main">
+    <mc:Choice Requires="p159">
       <p:transition xmlns:p14="http://schemas.microsoft.com/office/powerpoint/2010/main" spd="slow" p14:dur="2000">
         <p159:morph option="byObject"/>
       </p:transition>
     </mc:Choice>
-    <mc:Fallback>
+    <mc:Fallback xmlns="">
       <p:transition spd="slow">
         <p:fade/>
       </p:transition>
@@ -30739,13 +30762,13 @@
   <p:clrMapOvr>
     <a:masterClrMapping/>
   </p:clrMapOvr>
-  <mc:AlternateContent xmlns:mc="http://schemas.openxmlformats.org/markup-compatibility/2006">
-    <mc:Choice xmlns:p159="http://schemas.microsoft.com/office/powerpoint/2015/09/main" Requires="p159">
+  <mc:AlternateContent xmlns:mc="http://schemas.openxmlformats.org/markup-compatibility/2006" xmlns:p159="http://schemas.microsoft.com/office/powerpoint/2015/09/main">
+    <mc:Choice Requires="p159">
       <p:transition xmlns:p14="http://schemas.microsoft.com/office/powerpoint/2010/main" spd="slow" p14:dur="2000">
         <p159:morph option="byObject"/>
       </p:transition>
     </mc:Choice>
-    <mc:Fallback>
+    <mc:Fallback xmlns="">
       <p:transition spd="slow">
         <p:fade/>
       </p:transition>
@@ -31421,13 +31444,13 @@
   <p:clrMapOvr>
     <a:masterClrMapping/>
   </p:clrMapOvr>
-  <mc:AlternateContent xmlns:mc="http://schemas.openxmlformats.org/markup-compatibility/2006">
-    <mc:Choice xmlns:p159="http://schemas.microsoft.com/office/powerpoint/2015/09/main" Requires="p159">
+  <mc:AlternateContent xmlns:mc="http://schemas.openxmlformats.org/markup-compatibility/2006" xmlns:p159="http://schemas.microsoft.com/office/powerpoint/2015/09/main">
+    <mc:Choice Requires="p159">
       <p:transition xmlns:p14="http://schemas.microsoft.com/office/powerpoint/2010/main" spd="slow" p14:dur="2000">
         <p159:morph option="byObject"/>
       </p:transition>
     </mc:Choice>
-    <mc:Fallback>
+    <mc:Fallback xmlns="">
       <p:transition spd="slow">
         <p:fade/>
       </p:transition>
@@ -32527,8 +32550,8 @@
           </a:p>
         </p:txBody>
       </p:sp>
-      <mc:AlternateContent xmlns:mc="http://schemas.openxmlformats.org/markup-compatibility/2006">
-        <mc:Choice xmlns:a14="http://schemas.microsoft.com/office/drawing/2010/main" Requires="a14">
+      <mc:AlternateContent xmlns:mc="http://schemas.openxmlformats.org/markup-compatibility/2006" xmlns:a14="http://schemas.microsoft.com/office/drawing/2010/main">
+        <mc:Choice Requires="a14">
           <p:sp>
             <p:nvSpPr>
               <p:cNvPr id="4" name="内容占位符 3">
@@ -32956,7 +32979,7 @@
             </p:txBody>
           </p:sp>
         </mc:Choice>
-        <mc:Fallback>
+        <mc:Fallback xmlns="">
           <p:sp>
             <p:nvSpPr>
               <p:cNvPr id="4" name="内容占位符 3">
@@ -33078,8 +33101,8 @@
           </a:p>
         </p:txBody>
       </p:sp>
-      <mc:AlternateContent xmlns:mc="http://schemas.openxmlformats.org/markup-compatibility/2006">
-        <mc:Choice xmlns:a14="http://schemas.microsoft.com/office/drawing/2010/main" Requires="a14">
+      <mc:AlternateContent xmlns:mc="http://schemas.openxmlformats.org/markup-compatibility/2006" xmlns:a14="http://schemas.microsoft.com/office/drawing/2010/main">
+        <mc:Choice Requires="a14">
           <p:sp>
             <p:nvSpPr>
               <p:cNvPr id="4" name="内容占位符 3">
@@ -33500,7 +33523,7 @@
             </p:txBody>
           </p:sp>
         </mc:Choice>
-        <mc:Fallback>
+        <mc:Fallback xmlns="">
           <p:sp>
             <p:nvSpPr>
               <p:cNvPr id="4" name="内容占位符 3">
@@ -33550,13 +33573,13 @@
   <p:clrMapOvr>
     <a:masterClrMapping/>
   </p:clrMapOvr>
-  <mc:AlternateContent xmlns:mc="http://schemas.openxmlformats.org/markup-compatibility/2006">
-    <mc:Choice xmlns:p159="http://schemas.microsoft.com/office/powerpoint/2015/09/main" Requires="p159">
+  <mc:AlternateContent xmlns:mc="http://schemas.openxmlformats.org/markup-compatibility/2006" xmlns:p159="http://schemas.microsoft.com/office/powerpoint/2015/09/main">
+    <mc:Choice Requires="p159">
       <p:transition xmlns:p14="http://schemas.microsoft.com/office/powerpoint/2010/main" spd="slow" p14:dur="2000">
         <p159:morph option="byObject"/>
       </p:transition>
     </mc:Choice>
-    <mc:Fallback>
+    <mc:Fallback xmlns="">
       <p:transition spd="slow">
         <p:fade/>
       </p:transition>
@@ -33622,8 +33645,8 @@
           </a:p>
         </p:txBody>
       </p:sp>
-      <mc:AlternateContent xmlns:mc="http://schemas.openxmlformats.org/markup-compatibility/2006">
-        <mc:Choice xmlns:a14="http://schemas.microsoft.com/office/drawing/2010/main" Requires="a14">
+      <mc:AlternateContent xmlns:mc="http://schemas.openxmlformats.org/markup-compatibility/2006" xmlns:a14="http://schemas.microsoft.com/office/drawing/2010/main">
+        <mc:Choice Requires="a14">
           <p:sp>
             <p:nvSpPr>
               <p:cNvPr id="4" name="内容占位符 3">
@@ -33765,7 +33788,7 @@
             </p:txBody>
           </p:sp>
         </mc:Choice>
-        <mc:Fallback>
+        <mc:Fallback xmlns="">
           <p:sp>
             <p:nvSpPr>
               <p:cNvPr id="4" name="内容占位符 3">
@@ -33845,13 +33868,13 @@
   <p:clrMapOvr>
     <a:masterClrMapping/>
   </p:clrMapOvr>
-  <mc:AlternateContent xmlns:mc="http://schemas.openxmlformats.org/markup-compatibility/2006">
-    <mc:Choice xmlns:p159="http://schemas.microsoft.com/office/powerpoint/2015/09/main" Requires="p159">
+  <mc:AlternateContent xmlns:mc="http://schemas.openxmlformats.org/markup-compatibility/2006" xmlns:p159="http://schemas.microsoft.com/office/powerpoint/2015/09/main">
+    <mc:Choice Requires="p159">
       <p:transition xmlns:p14="http://schemas.microsoft.com/office/powerpoint/2010/main" spd="slow" p14:dur="2000">
         <p159:morph option="byObject"/>
       </p:transition>
     </mc:Choice>
-    <mc:Fallback>
+    <mc:Fallback xmlns="">
       <p:transition spd="slow">
         <p:fade/>
       </p:transition>
@@ -33917,8 +33940,8 @@
           </a:p>
         </p:txBody>
       </p:sp>
-      <mc:AlternateContent xmlns:mc="http://schemas.openxmlformats.org/markup-compatibility/2006">
-        <mc:Choice xmlns:a14="http://schemas.microsoft.com/office/drawing/2010/main" Requires="a14">
+      <mc:AlternateContent xmlns:mc="http://schemas.openxmlformats.org/markup-compatibility/2006" xmlns:a14="http://schemas.microsoft.com/office/drawing/2010/main">
+        <mc:Choice Requires="a14">
           <p:sp>
             <p:nvSpPr>
               <p:cNvPr id="4" name="内容占位符 3">
@@ -34943,7 +34966,7 @@
             </p:txBody>
           </p:sp>
         </mc:Choice>
-        <mc:Fallback>
+        <mc:Fallback xmlns="">
           <p:sp>
             <p:nvSpPr>
               <p:cNvPr id="4" name="内容占位符 3">
@@ -34993,13 +35016,13 @@
   <p:clrMapOvr>
     <a:masterClrMapping/>
   </p:clrMapOvr>
-  <mc:AlternateContent xmlns:mc="http://schemas.openxmlformats.org/markup-compatibility/2006">
-    <mc:Choice xmlns:p159="http://schemas.microsoft.com/office/powerpoint/2015/09/main" Requires="p159">
+  <mc:AlternateContent xmlns:mc="http://schemas.openxmlformats.org/markup-compatibility/2006" xmlns:p159="http://schemas.microsoft.com/office/powerpoint/2015/09/main">
+    <mc:Choice Requires="p159">
       <p:transition xmlns:p14="http://schemas.microsoft.com/office/powerpoint/2010/main" spd="slow" p14:dur="2000">
         <p159:morph option="byObject"/>
       </p:transition>
     </mc:Choice>
-    <mc:Fallback>
+    <mc:Fallback xmlns="">
       <p:transition spd="slow">
         <p:fade/>
       </p:transition>
@@ -35065,8 +35088,8 @@
           </a:p>
         </p:txBody>
       </p:sp>
-      <mc:AlternateContent xmlns:mc="http://schemas.openxmlformats.org/markup-compatibility/2006">
-        <mc:Choice xmlns:a14="http://schemas.microsoft.com/office/drawing/2010/main" Requires="a14">
+      <mc:AlternateContent xmlns:mc="http://schemas.openxmlformats.org/markup-compatibility/2006" xmlns:a14="http://schemas.microsoft.com/office/drawing/2010/main">
+        <mc:Choice Requires="a14">
           <p:sp>
             <p:nvSpPr>
               <p:cNvPr id="4" name="内容占位符 3">
@@ -35181,7 +35204,9 @@
                 <a14:m>
                   <m:oMath xmlns:m="http://schemas.openxmlformats.org/officeDocument/2006/math">
                     <m:r>
-                      <a:rPr lang="en-US" altLang="zh-CN" sz="2000" dirty="0"/>
+                      <a:rPr lang="en-US" altLang="zh-CN" sz="2000" dirty="0">
+                        <a:latin typeface="Cambria Math" panose="02040503050406030204" pitchFamily="18" charset="0"/>
+                      </a:rPr>
                       <m:t>𝑇</m:t>
                     </m:r>
                   </m:oMath>
@@ -35193,31 +35218,41 @@
                 <a14:m>
                   <m:oMath xmlns:m="http://schemas.openxmlformats.org/officeDocument/2006/math">
                     <m:r>
-                      <a:rPr lang="en-US" altLang="zh-CN" sz="2000" dirty="0"/>
+                      <a:rPr lang="en-US" altLang="zh-CN" sz="2000" dirty="0">
+                        <a:latin typeface="Cambria Math" panose="02040503050406030204" pitchFamily="18" charset="0"/>
+                      </a:rPr>
                       <m:t>𝑂</m:t>
                     </m:r>
                     <m:d>
                       <m:dPr>
                         <m:ctrlPr>
-                          <a:rPr lang="en-US" altLang="zh-CN" sz="2000" dirty="0"/>
+                          <a:rPr lang="en-US" altLang="zh-CN" sz="2000" i="1" dirty="0">
+                            <a:latin typeface="Cambria Math" panose="02040503050406030204" pitchFamily="18" charset="0"/>
+                          </a:rPr>
                         </m:ctrlPr>
                       </m:dPr>
                       <m:e>
                         <m:sSup>
                           <m:sSupPr>
                             <m:ctrlPr>
-                              <a:rPr lang="en-US" altLang="zh-CN" sz="2000" dirty="0"/>
+                              <a:rPr lang="en-US" altLang="zh-CN" sz="2000" i="1" dirty="0">
+                                <a:latin typeface="Cambria Math" panose="02040503050406030204" pitchFamily="18" charset="0"/>
+                              </a:rPr>
                             </m:ctrlPr>
                           </m:sSupPr>
                           <m:e>
                             <m:r>
-                              <a:rPr lang="en-US" altLang="zh-CN" sz="2000" dirty="0"/>
+                              <a:rPr lang="en-US" altLang="zh-CN" sz="2000" dirty="0">
+                                <a:latin typeface="Cambria Math" panose="02040503050406030204" pitchFamily="18" charset="0"/>
+                              </a:rPr>
                               <m:t>𝑇</m:t>
                             </m:r>
                           </m:e>
                           <m:sup>
                             <m:r>
-                              <a:rPr lang="en-US" altLang="zh-CN" sz="2000" dirty="0"/>
+                              <a:rPr lang="en-US" altLang="zh-CN" sz="2000" dirty="0">
+                                <a:latin typeface="Cambria Math" panose="02040503050406030204" pitchFamily="18" charset="0"/>
+                              </a:rPr>
                               <m:t>2</m:t>
                             </m:r>
                           </m:sup>
@@ -35251,7 +35286,7 @@
             </p:txBody>
           </p:sp>
         </mc:Choice>
-        <mc:Fallback>
+        <mc:Fallback xmlns="">
           <p:sp>
             <p:nvSpPr>
               <p:cNvPr id="4" name="内容占位符 3">
@@ -35331,13 +35366,13 @@
   <p:clrMapOvr>
     <a:masterClrMapping/>
   </p:clrMapOvr>
-  <mc:AlternateContent xmlns:mc="http://schemas.openxmlformats.org/markup-compatibility/2006">
-    <mc:Choice xmlns:p159="http://schemas.microsoft.com/office/powerpoint/2015/09/main" Requires="p159">
+  <mc:AlternateContent xmlns:mc="http://schemas.openxmlformats.org/markup-compatibility/2006" xmlns:p159="http://schemas.microsoft.com/office/powerpoint/2015/09/main">
+    <mc:Choice Requires="p159">
       <p:transition xmlns:p14="http://schemas.microsoft.com/office/powerpoint/2010/main" spd="slow" p14:dur="2000">
         <p159:morph option="byObject"/>
       </p:transition>
     </mc:Choice>
-    <mc:Fallback>
+    <mc:Fallback xmlns="">
       <p:transition spd="slow">
         <p:fade/>
       </p:transition>
